--- a/design/开发文档/GDD/十页说明书.pptx
+++ b/design/开发文档/GDD/十页说明书.pptx
@@ -3487,15 +3487,7 @@
             </a:r>
             <a:r>
               <a:rPr lang="zh-CN" altLang="en-US" dirty="0" smtClean="0"/>
-              <a:t>。丰富的怪物攻击方式，</a:t>
-            </a:r>
-            <a:r>
-              <a:rPr lang="zh-CN" altLang="en-US" dirty="0" smtClean="0"/>
-              <a:t>多姿多彩的工具系统，</a:t>
-            </a:r>
-            <a:r>
-              <a:rPr lang="zh-CN" altLang="en-US" dirty="0" smtClean="0"/>
-              <a:t>基于物理的战斗设计是战斗富有打击感，强调玩家对工具的搭配与操作能力。</a:t>
+              <a:t>。丰富的怪物攻击方式，多姿多彩的工具系统，基于物理的战斗设计是战斗富有打击感，强调玩家对工具的搭配与操作能力。</a:t>
             </a:r>
             <a:endParaRPr lang="en-US" altLang="zh-CN" dirty="0" smtClean="0"/>
           </a:p>
@@ -3854,7 +3846,12 @@
             <p:ph type="title"/>
           </p:nvPr>
         </p:nvSpPr>
-        <p:spPr/>
+        <p:spPr>
+          <a:xfrm>
+            <a:off x="838200" y="365125"/>
+            <a:ext cx="10515600" cy="970189"/>
+          </a:xfrm>
+        </p:spPr>
         <p:txBody>
           <a:bodyPr/>
           <a:lstStyle/>
@@ -3877,7 +3874,12 @@
             <p:ph idx="1"/>
           </p:nvPr>
         </p:nvSpPr>
-        <p:spPr/>
+        <p:spPr>
+          <a:xfrm>
+            <a:off x="838200" y="1451429"/>
+            <a:ext cx="4822371" cy="4725534"/>
+          </a:xfrm>
+        </p:spPr>
         <p:txBody>
           <a:bodyPr/>
           <a:lstStyle/>
@@ -3933,7 +3935,23 @@
           <a:p>
             <a:r>
               <a:rPr lang="zh-CN" altLang="en-US" dirty="0" smtClean="0"/>
-              <a:t>拓展内容</a:t>
+              <a:t>拓展内</a:t>
+            </a:r>
+            <a:r>
+              <a:rPr lang="zh-CN" altLang="en-US" dirty="0" smtClean="0"/>
+              <a:t>容</a:t>
+            </a:r>
+            <a:r>
+              <a:rPr lang="en-US" altLang="zh-CN" dirty="0" smtClean="0"/>
+              <a:t>(</a:t>
+            </a:r>
+            <a:r>
+              <a:rPr lang="zh-CN" altLang="en-US" dirty="0" smtClean="0"/>
+              <a:t>弱连网</a:t>
+            </a:r>
+            <a:r>
+              <a:rPr lang="en-US" altLang="zh-CN" dirty="0" smtClean="0"/>
+              <a:t>)</a:t>
             </a:r>
             <a:endParaRPr lang="zh-CN" altLang="en-US" dirty="0"/>
           </a:p>
@@ -3949,7 +3967,12 @@
             <p:ph idx="1"/>
           </p:nvPr>
         </p:nvSpPr>
-        <p:spPr/>
+        <p:spPr>
+          <a:xfrm>
+            <a:off x="838200" y="1825625"/>
+            <a:ext cx="4488543" cy="4351338"/>
+          </a:xfrm>
+        </p:spPr>
         <p:txBody>
           <a:bodyPr/>
           <a:lstStyle/>
@@ -3971,19 +3994,30 @@
             </a:r>
             <a:r>
               <a:rPr lang="zh-CN" altLang="en-US" dirty="0" smtClean="0"/>
-              <a:t>聊天系统</a:t>
+              <a:t>聊天系</a:t>
+            </a:r>
+            <a:r>
+              <a:rPr lang="zh-CN" altLang="en-US" dirty="0" smtClean="0"/>
+              <a:t>统</a:t>
             </a:r>
             <a:endParaRPr lang="en-US" altLang="zh-CN" dirty="0" smtClean="0"/>
           </a:p>
           <a:p>
             <a:r>
+              <a:rPr lang="en-US" altLang="zh-CN" dirty="0"/>
+              <a:t>3</a:t>
+            </a:r>
+            <a:r>
               <a:rPr lang="en-US" altLang="zh-CN" dirty="0" smtClean="0"/>
-              <a:t>3.</a:t>
+              <a:t>.</a:t>
             </a:r>
             <a:r>
               <a:rPr lang="zh-CN" altLang="en-US" dirty="0" smtClean="0"/>
-              <a:t>母星支援</a:t>
-            </a:r>
+              <a:t>竞技场</a:t>
+            </a:r>
+            <a:endParaRPr lang="en-US" altLang="zh-CN" dirty="0" smtClean="0"/>
+          </a:p>
+          <a:p>
             <a:endParaRPr lang="zh-CN" altLang="en-US" dirty="0"/>
           </a:p>
         </p:txBody>
@@ -4091,11 +4125,27 @@
           <a:p>
             <a:r>
               <a:rPr lang="en-US" altLang="zh-CN" dirty="0" smtClean="0"/>
-              <a:t>4.</a:t>
+              <a:t>4</a:t>
+            </a:r>
+            <a:r>
+              <a:rPr lang="en-US" altLang="zh-CN" dirty="0" smtClean="0"/>
+              <a:t>.</a:t>
             </a:r>
             <a:r>
               <a:rPr lang="zh-CN" altLang="en-US" dirty="0" smtClean="0"/>
-              <a:t>母星支援</a:t>
+              <a:t>蓝星援助</a:t>
+            </a:r>
+            <a:r>
+              <a:rPr lang="en-US" altLang="zh-CN" dirty="0" smtClean="0"/>
+              <a:t>(</a:t>
+            </a:r>
+            <a:r>
+              <a:rPr lang="zh-CN" altLang="en-US" dirty="0" smtClean="0"/>
+              <a:t>商店</a:t>
+            </a:r>
+            <a:r>
+              <a:rPr lang="en-US" altLang="zh-CN" dirty="0" smtClean="0"/>
+              <a:t>)</a:t>
             </a:r>
             <a:endParaRPr lang="zh-CN" altLang="en-US" dirty="0"/>
           </a:p>
@@ -4157,7 +4207,7 @@
     </a:clrScheme>
     <a:fontScheme name="Office">
       <a:majorFont>
-        <a:latin typeface="等线 Light" panose="020F0302020204030204"/>
+        <a:latin typeface="等线 Light"/>
         <a:ea typeface=""/>
         <a:cs typeface=""/>
         <a:font script="Jpan" typeface="游ゴシック Light"/>
@@ -4192,7 +4242,7 @@
         <a:font script="Geor" typeface="Sylfaen"/>
       </a:majorFont>
       <a:minorFont>
-        <a:latin typeface="等线" panose="020F0502020204030204"/>
+        <a:latin typeface="等线"/>
         <a:ea typeface=""/>
         <a:cs typeface=""/>
         <a:font script="Jpan" typeface="游ゴシック"/>
@@ -4369,7 +4419,7 @@
   <a:extraClrSchemeLst/>
   <a:extLst>
     <a:ext uri="{05A4C25C-085E-4340-85A3-A5531E510DB2}">
-      <thm15:themeFamily xmlns:thm15="http://schemas.microsoft.com/office/thememl/2012/main" name="Office Theme" id="{62F939B6-93AF-4DB8-9C6B-D6C7DFDC589F}" vid="{4A3C46E8-61CC-4603-A589-7422A47A8E4A}"/>
+      <thm15:themeFamily xmlns:thm15="http://schemas.microsoft.com/office/thememl/2012/main" xmlns="" name="Office Theme" id="{62F939B6-93AF-4DB8-9C6B-D6C7DFDC589F}" vid="{4A3C46E8-61CC-4603-A589-7422A47A8E4A}"/>
     </a:ext>
   </a:extLst>
 </a:theme>

--- a/design/开发文档/GDD/十页说明书.pptx
+++ b/design/开发文档/GDD/十页说明书.pptx
@@ -112,6 +112,22 @@
       </a:defRPr>
     </a:lvl9pPr>
   </p:defaultTextStyle>
+  <p:extLst>
+    <p:ext uri="{EFAFB233-063F-42B5-8137-9DF3F51BA10A}">
+      <p15:sldGuideLst xmlns:p15="http://schemas.microsoft.com/office/powerpoint/2012/main">
+        <p15:guide id="1" orient="horz" pos="2160">
+          <p15:clr>
+            <a:srgbClr val="A4A3A4"/>
+          </p15:clr>
+        </p15:guide>
+        <p15:guide id="2" pos="3840">
+          <p15:clr>
+            <a:srgbClr val="A4A3A4"/>
+          </p15:clr>
+        </p15:guide>
+      </p15:sldGuideLst>
+    </p:ext>
+  </p:extLst>
 </p:presentation>
 </file>
 
@@ -246,7 +262,7 @@
           <a:p>
             <a:fld id="{4A299AFA-A196-40F1-A811-09106879D158}" type="datetimeFigureOut">
               <a:rPr lang="zh-CN" altLang="en-US" smtClean="0"/>
-              <a:t>2017/7/17</a:t>
+              <a:t>2017/7/18</a:t>
             </a:fld>
             <a:endParaRPr lang="zh-CN" altLang="en-US"/>
           </a:p>
@@ -416,7 +432,7 @@
           <a:p>
             <a:fld id="{4A299AFA-A196-40F1-A811-09106879D158}" type="datetimeFigureOut">
               <a:rPr lang="zh-CN" altLang="en-US" smtClean="0"/>
-              <a:t>2017/7/17</a:t>
+              <a:t>2017/7/18</a:t>
             </a:fld>
             <a:endParaRPr lang="zh-CN" altLang="en-US"/>
           </a:p>
@@ -596,7 +612,7 @@
           <a:p>
             <a:fld id="{4A299AFA-A196-40F1-A811-09106879D158}" type="datetimeFigureOut">
               <a:rPr lang="zh-CN" altLang="en-US" smtClean="0"/>
-              <a:t>2017/7/17</a:t>
+              <a:t>2017/7/18</a:t>
             </a:fld>
             <a:endParaRPr lang="zh-CN" altLang="en-US"/>
           </a:p>
@@ -766,7 +782,7 @@
           <a:p>
             <a:fld id="{4A299AFA-A196-40F1-A811-09106879D158}" type="datetimeFigureOut">
               <a:rPr lang="zh-CN" altLang="en-US" smtClean="0"/>
-              <a:t>2017/7/17</a:t>
+              <a:t>2017/7/18</a:t>
             </a:fld>
             <a:endParaRPr lang="zh-CN" altLang="en-US"/>
           </a:p>
@@ -1012,7 +1028,7 @@
           <a:p>
             <a:fld id="{4A299AFA-A196-40F1-A811-09106879D158}" type="datetimeFigureOut">
               <a:rPr lang="zh-CN" altLang="en-US" smtClean="0"/>
-              <a:t>2017/7/17</a:t>
+              <a:t>2017/7/18</a:t>
             </a:fld>
             <a:endParaRPr lang="zh-CN" altLang="en-US"/>
           </a:p>
@@ -1244,7 +1260,7 @@
           <a:p>
             <a:fld id="{4A299AFA-A196-40F1-A811-09106879D158}" type="datetimeFigureOut">
               <a:rPr lang="zh-CN" altLang="en-US" smtClean="0"/>
-              <a:t>2017/7/17</a:t>
+              <a:t>2017/7/18</a:t>
             </a:fld>
             <a:endParaRPr lang="zh-CN" altLang="en-US"/>
           </a:p>
@@ -1611,7 +1627,7 @@
           <a:p>
             <a:fld id="{4A299AFA-A196-40F1-A811-09106879D158}" type="datetimeFigureOut">
               <a:rPr lang="zh-CN" altLang="en-US" smtClean="0"/>
-              <a:t>2017/7/17</a:t>
+              <a:t>2017/7/18</a:t>
             </a:fld>
             <a:endParaRPr lang="zh-CN" altLang="en-US"/>
           </a:p>
@@ -1729,7 +1745,7 @@
           <a:p>
             <a:fld id="{4A299AFA-A196-40F1-A811-09106879D158}" type="datetimeFigureOut">
               <a:rPr lang="zh-CN" altLang="en-US" smtClean="0"/>
-              <a:t>2017/7/17</a:t>
+              <a:t>2017/7/18</a:t>
             </a:fld>
             <a:endParaRPr lang="zh-CN" altLang="en-US"/>
           </a:p>
@@ -1824,7 +1840,7 @@
           <a:p>
             <a:fld id="{4A299AFA-A196-40F1-A811-09106879D158}" type="datetimeFigureOut">
               <a:rPr lang="zh-CN" altLang="en-US" smtClean="0"/>
-              <a:t>2017/7/17</a:t>
+              <a:t>2017/7/18</a:t>
             </a:fld>
             <a:endParaRPr lang="zh-CN" altLang="en-US"/>
           </a:p>
@@ -2101,7 +2117,7 @@
           <a:p>
             <a:fld id="{4A299AFA-A196-40F1-A811-09106879D158}" type="datetimeFigureOut">
               <a:rPr lang="zh-CN" altLang="en-US" smtClean="0"/>
-              <a:t>2017/7/17</a:t>
+              <a:t>2017/7/18</a:t>
             </a:fld>
             <a:endParaRPr lang="zh-CN" altLang="en-US"/>
           </a:p>
@@ -2354,7 +2370,7 @@
           <a:p>
             <a:fld id="{4A299AFA-A196-40F1-A811-09106879D158}" type="datetimeFigureOut">
               <a:rPr lang="zh-CN" altLang="en-US" smtClean="0"/>
-              <a:t>2017/7/17</a:t>
+              <a:t>2017/7/18</a:t>
             </a:fld>
             <a:endParaRPr lang="zh-CN" altLang="en-US"/>
           </a:p>
@@ -2567,7 +2583,7 @@
           <a:p>
             <a:fld id="{4A299AFA-A196-40F1-A811-09106879D158}" type="datetimeFigureOut">
               <a:rPr lang="zh-CN" altLang="en-US" smtClean="0"/>
-              <a:t>2017/7/17</a:t>
+              <a:t>2017/7/18</a:t>
             </a:fld>
             <a:endParaRPr lang="zh-CN" altLang="en-US"/>
           </a:p>
@@ -3183,7 +3199,18 @@
           <a:p>
             <a:r>
               <a:rPr lang="zh-CN" altLang="en-US" dirty="0" smtClean="0"/>
-              <a:t>玩家需要在被殖民星球上生存下去，并保护元气树的健康成长，使其完成对星球的改造。从而使星球移民成为可能。</a:t>
+              <a:t>玩家需要在被殖民星球上生存下去，并保护元气树的健康成长，使其完成对星球的改造。从而使星球移民成为可能</a:t>
+            </a:r>
+            <a:r>
+              <a:rPr lang="zh-CN" altLang="en-US" dirty="0" smtClean="0"/>
+              <a:t>。</a:t>
+            </a:r>
+            <a:endParaRPr lang="en-US" altLang="zh-CN" dirty="0" smtClean="0"/>
+          </a:p>
+          <a:p>
+            <a:r>
+              <a:rPr lang="zh-CN" altLang="en-US" dirty="0" smtClean="0"/>
+              <a:t>弱联网单机游戏。</a:t>
             </a:r>
             <a:endParaRPr lang="zh-CN" altLang="en-US" dirty="0"/>
           </a:p>
@@ -3498,7 +3525,7 @@
       </p:sp>
       <p:pic>
         <p:nvPicPr>
-          <p:cNvPr id="4" name="图片 3"/>
+          <p:cNvPr id="5" name="图片 4"/>
           <p:cNvPicPr>
             <a:picLocks noChangeAspect="1"/>
           </p:cNvPicPr>
@@ -3518,8 +3545,8 @@
         </p:blipFill>
         <p:spPr>
           <a:xfrm>
-            <a:off x="5597271" y="731520"/>
-            <a:ext cx="4150233" cy="2419602"/>
+            <a:off x="5597271" y="3330797"/>
+            <a:ext cx="4150233" cy="2581982"/>
           </a:xfrm>
           <a:prstGeom prst="rect">
             <a:avLst/>
@@ -3528,7 +3555,7 @@
       </p:pic>
       <p:pic>
         <p:nvPicPr>
-          <p:cNvPr id="5" name="图片 4"/>
+          <p:cNvPr id="6" name="图片 5"/>
           <p:cNvPicPr>
             <a:picLocks noChangeAspect="1"/>
           </p:cNvPicPr>
@@ -3548,8 +3575,8 @@
         </p:blipFill>
         <p:spPr>
           <a:xfrm>
-            <a:off x="5597271" y="3330797"/>
-            <a:ext cx="4150233" cy="2581982"/>
+            <a:off x="5597272" y="469901"/>
+            <a:ext cx="4150232" cy="2417510"/>
           </a:xfrm>
           <a:prstGeom prst="rect">
             <a:avLst/>
@@ -3884,10 +3911,67 @@
           <a:bodyPr/>
           <a:lstStyle/>
           <a:p>
+            <a:r>
+              <a:rPr lang="zh-CN" altLang="en-US" dirty="0" smtClean="0"/>
+              <a:t>通过调整体形，颜色，怪物</a:t>
+            </a:r>
+            <a:r>
+              <a:rPr lang="en-US" altLang="zh-CN" dirty="0" smtClean="0"/>
+              <a:t>AI</a:t>
+            </a:r>
+            <a:r>
+              <a:rPr lang="zh-CN" altLang="en-US" dirty="0" smtClean="0"/>
+              <a:t>。在某一族群的怪物中存在着精英怪。</a:t>
+            </a:r>
+            <a:endParaRPr lang="en-US" altLang="zh-CN" dirty="0" smtClean="0"/>
+          </a:p>
+          <a:p>
+            <a:r>
+              <a:rPr lang="zh-CN" altLang="en-US" dirty="0" smtClean="0"/>
+              <a:t>目前定义科技文明等级最高为六级，每次升级后，场景内会出现一个重点设计的</a:t>
+            </a:r>
+            <a:r>
+              <a:rPr lang="en-US" altLang="zh-CN" dirty="0" smtClean="0"/>
+              <a:t>BOSS</a:t>
+            </a:r>
+            <a:r>
+              <a:rPr lang="zh-CN" altLang="en-US" dirty="0" smtClean="0"/>
+              <a:t>。胜利可以获取特殊道具，大大提升玩家战斗力。</a:t>
+            </a:r>
             <a:endParaRPr lang="zh-CN" altLang="en-US" dirty="0"/>
           </a:p>
         </p:txBody>
       </p:sp>
+      <p:pic>
+        <p:nvPicPr>
+          <p:cNvPr id="5" name="图片 4"/>
+          <p:cNvPicPr>
+            <a:picLocks noChangeAspect="1"/>
+          </p:cNvPicPr>
+          <p:nvPr/>
+        </p:nvPicPr>
+        <p:blipFill>
+          <a:blip r:embed="rId2" cstate="print">
+            <a:extLst>
+              <a:ext uri="{28A0092B-C50C-407E-A947-70E740481C1C}">
+                <a14:useLocalDpi xmlns:a14="http://schemas.microsoft.com/office/drawing/2010/main" val="0"/>
+              </a:ext>
+            </a:extLst>
+          </a:blip>
+          <a:stretch>
+            <a:fillRect/>
+          </a:stretch>
+        </p:blipFill>
+        <p:spPr>
+          <a:xfrm>
+            <a:off x="5660571" y="1654891"/>
+            <a:ext cx="5332275" cy="2999405"/>
+          </a:xfrm>
+          <a:prstGeom prst="rect">
+            <a:avLst/>
+          </a:prstGeom>
+        </p:spPr>
+      </p:pic>
     </p:spTree>
     <p:extLst>
       <p:ext uri="{BB962C8B-B14F-4D97-AF65-F5344CB8AC3E}">
@@ -3935,11 +4019,7 @@
           <a:p>
             <a:r>
               <a:rPr lang="zh-CN" altLang="en-US" dirty="0" smtClean="0"/>
-              <a:t>拓展内</a:t>
-            </a:r>
-            <a:r>
-              <a:rPr lang="zh-CN" altLang="en-US" dirty="0" smtClean="0"/>
-              <a:t>容</a:t>
+              <a:t>拓展内容</a:t>
             </a:r>
             <a:r>
               <a:rPr lang="en-US" altLang="zh-CN" dirty="0" smtClean="0"/>
@@ -3994,11 +4074,7 @@
             </a:r>
             <a:r>
               <a:rPr lang="zh-CN" altLang="en-US" dirty="0" smtClean="0"/>
-              <a:t>聊天系</a:t>
-            </a:r>
-            <a:r>
-              <a:rPr lang="zh-CN" altLang="en-US" dirty="0" smtClean="0"/>
-              <a:t>统</a:t>
+              <a:t>聊天系统</a:t>
             </a:r>
             <a:endParaRPr lang="en-US" altLang="zh-CN" dirty="0" smtClean="0"/>
           </a:p>
@@ -4013,8 +4089,11 @@
             </a:r>
             <a:r>
               <a:rPr lang="zh-CN" altLang="en-US" dirty="0" smtClean="0"/>
-              <a:t>竞技场</a:t>
-            </a:r>
+              <a:t>竞技场（待定）</a:t>
+            </a:r>
+            <a:endParaRPr lang="en-US" altLang="zh-CN" dirty="0" smtClean="0"/>
+          </a:p>
+          <a:p>
             <a:endParaRPr lang="en-US" altLang="zh-CN" dirty="0" smtClean="0"/>
           </a:p>
           <a:p>
@@ -4114,18 +4193,7 @@
           <a:p>
             <a:r>
               <a:rPr lang="en-US" altLang="zh-CN" dirty="0" smtClean="0"/>
-              <a:t>3.</a:t>
-            </a:r>
-            <a:r>
-              <a:rPr lang="zh-CN" altLang="en-US" dirty="0" smtClean="0"/>
-              <a:t>排卖行</a:t>
-            </a:r>
-            <a:endParaRPr lang="en-US" altLang="zh-CN" dirty="0" smtClean="0"/>
-          </a:p>
-          <a:p>
-            <a:r>
-              <a:rPr lang="en-US" altLang="zh-CN" dirty="0" smtClean="0"/>
-              <a:t>4</a:t>
+              <a:t>3</a:t>
             </a:r>
             <a:r>
               <a:rPr lang="en-US" altLang="zh-CN" dirty="0" smtClean="0"/>
@@ -4133,6 +4201,17 @@
             </a:r>
             <a:r>
               <a:rPr lang="zh-CN" altLang="en-US" dirty="0" smtClean="0"/>
+              <a:t>拍卖行（待定）</a:t>
+            </a:r>
+            <a:endParaRPr lang="en-US" altLang="zh-CN" dirty="0" smtClean="0"/>
+          </a:p>
+          <a:p>
+            <a:r>
+              <a:rPr lang="en-US" altLang="zh-CN" dirty="0" smtClean="0"/>
+              <a:t>4.</a:t>
+            </a:r>
+            <a:r>
+              <a:rPr lang="zh-CN" altLang="en-US" dirty="0" smtClean="0"/>
               <a:t>蓝星援助</a:t>
             </a:r>
             <a:r>
@@ -4147,6 +4226,42 @@
               <a:rPr lang="en-US" altLang="zh-CN" dirty="0" smtClean="0"/>
               <a:t>)</a:t>
             </a:r>
+          </a:p>
+          <a:p>
+            <a:endParaRPr lang="en-US" altLang="zh-CN" dirty="0" smtClean="0"/>
+          </a:p>
+          <a:p>
+            <a:r>
+              <a:rPr lang="zh-CN" altLang="en-US" dirty="0" smtClean="0"/>
+              <a:t>注：游戏中没有</a:t>
+            </a:r>
+            <a:r>
+              <a:rPr lang="en-US" altLang="zh-CN" dirty="0" smtClean="0"/>
+              <a:t>NPC</a:t>
+            </a:r>
+            <a:r>
+              <a:rPr lang="zh-CN" altLang="en-US" dirty="0" smtClean="0"/>
+              <a:t>，金币的获取为上线玩家，每分钟获取</a:t>
+            </a:r>
+            <a:r>
+              <a:rPr lang="en-US" altLang="zh-CN" dirty="0" smtClean="0"/>
+              <a:t>1</a:t>
+            </a:r>
+            <a:r>
+              <a:rPr lang="zh-CN" altLang="en-US" dirty="0" smtClean="0"/>
+              <a:t>金币，每日最多获取</a:t>
+            </a:r>
+            <a:r>
+              <a:rPr lang="en-US" altLang="zh-CN" dirty="0" smtClean="0"/>
+              <a:t>60</a:t>
+            </a:r>
+            <a:r>
+              <a:rPr lang="zh-CN" altLang="en-US" dirty="0" smtClean="0"/>
+              <a:t>金币。玩家通过拍卖行进行物品交换。也可以通过宝石（冲值）直接购买来自母星的道具。</a:t>
+            </a:r>
+            <a:endParaRPr lang="en-US" altLang="zh-CN" dirty="0"/>
+          </a:p>
+          <a:p>
             <a:endParaRPr lang="zh-CN" altLang="en-US" dirty="0"/>
           </a:p>
         </p:txBody>
@@ -4419,7 +4534,7 @@
   <a:extraClrSchemeLst/>
   <a:extLst>
     <a:ext uri="{05A4C25C-085E-4340-85A3-A5531E510DB2}">
-      <thm15:themeFamily xmlns:thm15="http://schemas.microsoft.com/office/thememl/2012/main" xmlns="" name="Office Theme" id="{62F939B6-93AF-4DB8-9C6B-D6C7DFDC589F}" vid="{4A3C46E8-61CC-4603-A589-7422A47A8E4A}"/>
+      <thm15:themeFamily xmlns:thm15="http://schemas.microsoft.com/office/thememl/2012/main" name="Office Theme" id="{62F939B6-93AF-4DB8-9C6B-D6C7DFDC589F}" vid="{4A3C46E8-61CC-4603-A589-7422A47A8E4A}"/>
     </a:ext>
   </a:extLst>
 </a:theme>
